--- a/documents/20200720/ajax_study-장윤원.pptx
+++ b/documents/20200720/ajax_study-장윤원.pptx
@@ -2,7 +2,7 @@
 <file path=ppt/presentation.xml><?xml version="1.0" encoding="utf-8"?>
 <p:presentation xmlns:a="http://schemas.openxmlformats.org/drawingml/2006/main" xmlns:r="http://schemas.openxmlformats.org/officeDocument/2006/relationships" xmlns:mc="http://schemas.openxmlformats.org/markup-compatibility/2006" xmlns:mv="urn:schemas-microsoft-com:mac:vml" xmlns:p="http://schemas.openxmlformats.org/presentationml/2006/main" xmlns:c="http://schemas.openxmlformats.org/drawingml/2006/chart" xmlns:dgm="http://schemas.openxmlformats.org/drawingml/2006/diagram" xmlns:o="urn:schemas-microsoft-com:office:office" xmlns:v="urn:schemas-microsoft-com:vml" xmlns:pvml="urn:schemas-microsoft-com:office:powerpoint" xmlns:com="http://schemas.openxmlformats.org/drawingml/2006/compatibility" xmlns:p14="http://schemas.microsoft.com/office/powerpoint/2010/main" xmlns:p15="http://schemas.microsoft.com/office/powerpoint/2012/main" autoCompressPictures="0" strictFirstAndLastChars="0" saveSubsetFonts="1">
   <p:sldMasterIdLst>
-    <p:sldMasterId id="2147483662" r:id="rId12"/>
+    <p:sldMasterId id="2147483663" r:id="rId12"/>
   </p:sldMasterIdLst>
   <p:notesMasterIdLst>
     <p:notesMasterId r:id="rId14"/>
@@ -10,10 +10,10 @@
   <p:sldIdLst>
     <p:sldId id="256" r:id="rId16"/>
     <p:sldId id="257" r:id="rId17"/>
-    <p:sldId id="258" r:id="rId18"/>
-    <p:sldId id="259" r:id="rId20"/>
-    <p:sldId id="260" r:id="rId22"/>
-    <p:sldId id="261" r:id="rId24"/>
+    <p:sldId id="258" r:id="rId19"/>
+    <p:sldId id="259" r:id="rId21"/>
+    <p:sldId id="260" r:id="rId23"/>
+    <p:sldId id="261" r:id="rId25"/>
   </p:sldIdLst>
   <p:sldSz cx="9144000" cy="5143500"/>
   <p:notesSz cx="6858000" cy="9144000"/>
@@ -249,12 +249,12 @@
   <p:extLst>
     <p:ext uri="{EFAFB233-063F-42B5-8137-9DF3F51BA10A}">
       <p15:sldGuideLst xmlns:p15="http://schemas.microsoft.com/office/powerpoint/2012/main">
-        <p15:guide id="1" orient="horz" pos="1619" userDrawn="0">
+        <p15:guide id="1" orient="horz" pos="1618" userDrawn="0">
           <p15:clr>
             <a:srgbClr val="A4A3A4"/>
           </p15:clr>
         </p15:guide>
-        <p15:guide id="2" pos="2879" userDrawn="0">
+        <p15:guide id="2" pos="2878" userDrawn="0">
           <p15:clr>
             <a:srgbClr val="A4A3A4"/>
           </p15:clr>
@@ -6003,7 +6003,7 @@
         <p:spPr>
           <a:xfrm>
             <a:off x="353695" y="1307465"/>
-            <a:ext cx="8476615" cy="3579495"/>
+            <a:ext cx="8477250" cy="3580130"/>
           </a:xfrm>
           <a:prstGeom prst="rect">
             <a:avLst/>
@@ -6176,7 +6176,7 @@
               <a:rPr b="1"/>
               <a:t>HTML, CSS</a:t>
             </a:r>
-            <a:endParaRPr lang="ko-KR" altLang="en-US"/>
+            <a:endParaRPr lang="ko-KR" altLang="en-US" b="1"/>
           </a:p>
           <a:p>
             <a:pPr marL="457200" indent="-317500" algn="l" defTabSz="508000">
@@ -6198,9 +6198,9 @@
             </a:r>
             <a:r>
               <a:rPr b="1"/>
-              <a:t>DOM 모델 (Document Object Model)</a:t>
+              <a:t>DOM (Document Object Model)</a:t>
             </a:r>
-            <a:endParaRPr lang="ko-KR" altLang="en-US"/>
+            <a:endParaRPr lang="ko-KR" altLang="en-US" b="1"/>
           </a:p>
           <a:p>
             <a:pPr marL="457200" indent="-317500" algn="l" defTabSz="508000">
@@ -6224,7 +6224,7 @@
               <a:rPr b="1"/>
               <a:t>JSON, XML</a:t>
             </a:r>
-            <a:endParaRPr lang="ko-KR" altLang="en-US"/>
+            <a:endParaRPr lang="ko-KR" altLang="en-US" b="1"/>
           </a:p>
           <a:p>
             <a:pPr marL="457200" indent="-317500" algn="l" defTabSz="508000">
@@ -6248,7 +6248,7 @@
               <a:rPr b="1"/>
               <a:t>XMLHttpRequest 객체</a:t>
             </a:r>
-            <a:endParaRPr lang="ko-KR" altLang="en-US"/>
+            <a:endParaRPr lang="ko-KR" altLang="en-US" b="1"/>
           </a:p>
           <a:p>
             <a:pPr marL="457200" indent="-317500" algn="l" defTabSz="508000">
@@ -6272,7 +6272,7 @@
               <a:rPr b="1"/>
               <a:t>JavaScript or JQuery</a:t>
             </a:r>
-            <a:endParaRPr lang="ko-KR" altLang="en-US"/>
+            <a:endParaRPr lang="ko-KR" altLang="en-US" b="1"/>
           </a:p>
           <a:p>
             <a:pPr marL="0" indent="0" algn="l" defTabSz="508000">
